--- a/ppt/Project_PPT_ (2).pptx
+++ b/ppt/Project_PPT_ (2).pptx
@@ -2722,7 +2722,7 @@
         <p:spPr>
           <a:xfrm>
             <a:off x="4164480" y="6705720"/>
-            <a:ext cx="8021160" cy="149040"/>
+            <a:ext cx="8020800" cy="148680"/>
           </a:xfrm>
           <a:prstGeom prst="rect">
             <a:avLst/>
@@ -2766,7 +2766,7 @@
         <p:spPr>
           <a:xfrm>
             <a:off x="11680920" y="1981080"/>
-            <a:ext cx="504720" cy="4263840"/>
+            <a:ext cx="504360" cy="4263480"/>
           </a:xfrm>
           <a:prstGeom prst="rect">
             <a:avLst/>
@@ -2811,7 +2811,7 @@
         <p:spPr>
           <a:xfrm>
             <a:off x="0" y="5257800"/>
-            <a:ext cx="606240" cy="149040"/>
+            <a:ext cx="605880" cy="148680"/>
           </a:xfrm>
           <a:prstGeom prst="rect">
             <a:avLst/>
@@ -2842,7 +2842,7 @@
         <p:spPr>
           <a:xfrm>
             <a:off x="0" y="5410080"/>
-            <a:ext cx="606240" cy="1444680"/>
+            <a:ext cx="605880" cy="1444320"/>
           </a:xfrm>
           <a:prstGeom prst="rect">
             <a:avLst/>
@@ -2873,7 +2873,7 @@
         <p:spPr>
           <a:xfrm>
             <a:off x="11680920" y="0"/>
-            <a:ext cx="504720" cy="1977840"/>
+            <a:ext cx="504360" cy="1977480"/>
           </a:xfrm>
           <a:prstGeom prst="rect">
             <a:avLst/>
@@ -2904,7 +2904,7 @@
         <p:spPr>
           <a:xfrm>
             <a:off x="7617960" y="0"/>
-            <a:ext cx="4059720" cy="301680"/>
+            <a:ext cx="4059360" cy="301320"/>
           </a:xfrm>
           <a:prstGeom prst="rect">
             <a:avLst/>
@@ -2935,7 +2935,7 @@
         <p:spPr>
           <a:xfrm>
             <a:off x="609480" y="304920"/>
-            <a:ext cx="707760" cy="758880"/>
+            <a:ext cx="707400" cy="758520"/>
           </a:xfrm>
           <a:prstGeom prst="rect">
             <a:avLst/>
@@ -2969,7 +2969,7 @@
         <p:spPr>
           <a:xfrm>
             <a:off x="0" y="1066680"/>
-            <a:ext cx="606240" cy="4187880"/>
+            <a:ext cx="605880" cy="4187520"/>
           </a:xfrm>
           <a:prstGeom prst="rect">
             <a:avLst/>
@@ -3010,7 +3010,7 @@
         <p:spPr>
           <a:xfrm>
             <a:off x="0" y="304920"/>
-            <a:ext cx="606240" cy="758880"/>
+            <a:ext cx="605880" cy="758520"/>
           </a:xfrm>
           <a:prstGeom prst="rect">
             <a:avLst/>
@@ -3041,7 +3041,7 @@
         <p:spPr>
           <a:xfrm>
             <a:off x="0" y="0"/>
-            <a:ext cx="1317240" cy="301680"/>
+            <a:ext cx="1316880" cy="301320"/>
           </a:xfrm>
           <a:prstGeom prst="rect">
             <a:avLst/>
@@ -3072,7 +3072,7 @@
         <p:spPr>
           <a:xfrm>
             <a:off x="1320480" y="0"/>
-            <a:ext cx="6294240" cy="301680"/>
+            <a:ext cx="6293880" cy="301320"/>
           </a:xfrm>
           <a:prstGeom prst="rect">
             <a:avLst/>
@@ -3683,7 +3683,7 @@
           <p:spPr>
             <a:xfrm>
               <a:off x="4164480" y="6705720"/>
-              <a:ext cx="8023680" cy="151560"/>
+              <a:ext cx="8023320" cy="151200"/>
             </a:xfrm>
             <a:prstGeom prst="rect">
               <a:avLst/>
@@ -3727,7 +3727,7 @@
           <p:spPr>
             <a:xfrm>
               <a:off x="11680920" y="1981080"/>
-              <a:ext cx="507240" cy="4266360"/>
+              <a:ext cx="506880" cy="4266000"/>
             </a:xfrm>
             <a:prstGeom prst="rect">
               <a:avLst/>
@@ -3772,7 +3772,7 @@
           <p:spPr>
             <a:xfrm>
               <a:off x="0" y="5257800"/>
-              <a:ext cx="608760" cy="151560"/>
+              <a:ext cx="608400" cy="151200"/>
             </a:xfrm>
             <a:prstGeom prst="rect">
               <a:avLst/>
@@ -3803,7 +3803,7 @@
           <p:spPr>
             <a:xfrm>
               <a:off x="0" y="5410080"/>
-              <a:ext cx="608760" cy="1447200"/>
+              <a:ext cx="608400" cy="1446840"/>
             </a:xfrm>
             <a:prstGeom prst="rect">
               <a:avLst/>
@@ -3834,7 +3834,7 @@
           <p:spPr>
             <a:xfrm>
               <a:off x="11680920" y="0"/>
-              <a:ext cx="507240" cy="1980360"/>
+              <a:ext cx="506880" cy="1980000"/>
             </a:xfrm>
             <a:prstGeom prst="rect">
               <a:avLst/>
@@ -3865,7 +3865,7 @@
           <p:spPr>
             <a:xfrm>
               <a:off x="7617960" y="0"/>
-              <a:ext cx="4062240" cy="304200"/>
+              <a:ext cx="4061880" cy="303840"/>
             </a:xfrm>
             <a:prstGeom prst="rect">
               <a:avLst/>
@@ -3896,7 +3896,7 @@
           <p:spPr>
             <a:xfrm>
               <a:off x="609480" y="304920"/>
-              <a:ext cx="710280" cy="761400"/>
+              <a:ext cx="709920" cy="761040"/>
             </a:xfrm>
             <a:prstGeom prst="rect">
               <a:avLst/>
@@ -3930,7 +3930,7 @@
           <p:spPr>
             <a:xfrm>
               <a:off x="0" y="1066680"/>
-              <a:ext cx="608760" cy="4190400"/>
+              <a:ext cx="608400" cy="4190040"/>
             </a:xfrm>
             <a:prstGeom prst="rect">
               <a:avLst/>
@@ -3971,7 +3971,7 @@
           <p:spPr>
             <a:xfrm>
               <a:off x="0" y="304920"/>
-              <a:ext cx="608760" cy="761400"/>
+              <a:ext cx="608400" cy="761040"/>
             </a:xfrm>
             <a:prstGeom prst="rect">
               <a:avLst/>
@@ -4002,7 +4002,7 @@
           <p:spPr>
             <a:xfrm>
               <a:off x="0" y="0"/>
-              <a:ext cx="1319760" cy="304200"/>
+              <a:ext cx="1319400" cy="303840"/>
             </a:xfrm>
             <a:prstGeom prst="rect">
               <a:avLst/>
@@ -4033,7 +4033,7 @@
           <p:spPr>
             <a:xfrm>
               <a:off x="1320480" y="0"/>
-              <a:ext cx="6296760" cy="304200"/>
+              <a:ext cx="6296400" cy="303840"/>
             </a:xfrm>
             <a:prstGeom prst="rect">
               <a:avLst/>
@@ -4624,7 +4624,7 @@
         <p:spPr>
           <a:xfrm>
             <a:off x="1368000" y="225720"/>
-            <a:ext cx="9597960" cy="1139760"/>
+            <a:ext cx="9597600" cy="1139400"/>
           </a:xfrm>
           <a:prstGeom prst="rect">
             <a:avLst/>
@@ -4673,7 +4673,7 @@
         <p:spPr>
           <a:xfrm>
             <a:off x="1271160" y="1281240"/>
-            <a:ext cx="9597960" cy="4187880"/>
+            <a:ext cx="9597600" cy="4187520"/>
           </a:xfrm>
           <a:prstGeom prst="rect">
             <a:avLst/>
@@ -4826,7 +4826,7 @@
         <p:spPr>
           <a:xfrm>
             <a:off x="5112000" y="2211120"/>
-            <a:ext cx="1825560" cy="1602000"/>
+            <a:ext cx="1825200" cy="1601640"/>
           </a:xfrm>
           <a:prstGeom prst="rect">
             <a:avLst/>
@@ -5622,7 +5622,7 @@
         <p:spPr>
           <a:xfrm>
             <a:off x="3672000" y="1411920"/>
-            <a:ext cx="5068440" cy="313560"/>
+            <a:ext cx="5068080" cy="313200"/>
           </a:xfrm>
           <a:prstGeom prst="rect">
             <a:avLst/>
@@ -5720,7 +5720,7 @@
         <p:spPr>
           <a:xfrm>
             <a:off x="1522440" y="533520"/>
-            <a:ext cx="9597960" cy="1139760"/>
+            <a:ext cx="9597600" cy="1139400"/>
           </a:xfrm>
           <a:prstGeom prst="rect">
             <a:avLst/>
@@ -5769,7 +5769,7 @@
         <p:spPr>
           <a:xfrm>
             <a:off x="1522440" y="1828800"/>
-            <a:ext cx="9597960" cy="4187880"/>
+            <a:ext cx="9597600" cy="4187520"/>
           </a:xfrm>
           <a:prstGeom prst="rect">
             <a:avLst/>
@@ -5917,7 +5917,7 @@
         <p:spPr>
           <a:xfrm>
             <a:off x="1522440" y="533520"/>
-            <a:ext cx="9597960" cy="1139760"/>
+            <a:ext cx="9597600" cy="1139400"/>
           </a:xfrm>
           <a:prstGeom prst="rect">
             <a:avLst/>
@@ -5966,7 +5966,7 @@
         <p:spPr>
           <a:xfrm>
             <a:off x="1522440" y="1828800"/>
-            <a:ext cx="9597960" cy="4187880"/>
+            <a:ext cx="9597600" cy="4187520"/>
           </a:xfrm>
           <a:prstGeom prst="rect">
             <a:avLst/>
@@ -5985,7 +5985,7 @@
         <p:txBody>
           <a:bodyPr lIns="90000" rIns="90000" tIns="45000" bIns="45000"/>
           <a:p>
-            <a:pPr marL="219600" indent="-219240" algn="just">
+            <a:pPr marL="219600" indent="-218880" algn="just">
               <a:lnSpc>
                 <a:spcPct val="150000"/>
               </a:lnSpc>
@@ -6016,7 +6016,7 @@
             </a:endParaRPr>
           </a:p>
           <a:p>
-            <a:pPr marL="219600" indent="-219240" algn="just">
+            <a:pPr marL="219600" indent="-218880" algn="just">
               <a:lnSpc>
                 <a:spcPct val="150000"/>
               </a:lnSpc>
@@ -6047,7 +6047,7 @@
             </a:endParaRPr>
           </a:p>
           <a:p>
-            <a:pPr marL="219600" indent="-219240" algn="just">
+            <a:pPr marL="219600" indent="-218880" algn="just">
               <a:lnSpc>
                 <a:spcPct val="150000"/>
               </a:lnSpc>
@@ -6078,7 +6078,7 @@
             </a:endParaRPr>
           </a:p>
           <a:p>
-            <a:pPr marL="219600" indent="-219240" algn="just">
+            <a:pPr marL="219600" indent="-218880" algn="just">
               <a:lnSpc>
                 <a:spcPct val="150000"/>
               </a:lnSpc>
@@ -6109,7 +6109,7 @@
             </a:endParaRPr>
           </a:p>
           <a:p>
-            <a:pPr marL="219600" indent="-219240" algn="just">
+            <a:pPr marL="219600" indent="-218880" algn="just">
               <a:lnSpc>
                 <a:spcPct val="150000"/>
               </a:lnSpc>
@@ -6140,7 +6140,7 @@
             </a:endParaRPr>
           </a:p>
           <a:p>
-            <a:pPr marL="219600" indent="-219240" algn="just">
+            <a:pPr marL="219600" indent="-218880" algn="just">
               <a:lnSpc>
                 <a:spcPct val="150000"/>
               </a:lnSpc>
@@ -6171,7 +6171,7 @@
             </a:endParaRPr>
           </a:p>
           <a:p>
-            <a:pPr marL="219600" indent="-219240" algn="just">
+            <a:pPr marL="219600" indent="-218880" algn="just">
               <a:lnSpc>
                 <a:spcPct val="150000"/>
               </a:lnSpc>
@@ -6202,7 +6202,7 @@
             </a:endParaRPr>
           </a:p>
           <a:p>
-            <a:pPr marL="219600" indent="-219240" algn="just">
+            <a:pPr marL="219600" indent="-218880" algn="just">
               <a:lnSpc>
                 <a:spcPct val="150000"/>
               </a:lnSpc>
@@ -6233,7 +6233,7 @@
             </a:endParaRPr>
           </a:p>
           <a:p>
-            <a:pPr marL="219600" indent="-219240" algn="just">
+            <a:pPr marL="219600" indent="-218880" algn="just">
               <a:lnSpc>
                 <a:spcPct val="150000"/>
               </a:lnSpc>
@@ -6323,7 +6323,7 @@
         <p:spPr>
           <a:xfrm>
             <a:off x="1522440" y="533520"/>
-            <a:ext cx="9597960" cy="1139760"/>
+            <a:ext cx="9597600" cy="1139400"/>
           </a:xfrm>
           <a:prstGeom prst="rect">
             <a:avLst/>
@@ -6349,7 +6349,7 @@
         <p:spPr>
           <a:xfrm>
             <a:off x="1379520" y="2666880"/>
-            <a:ext cx="9597960" cy="4187880"/>
+            <a:ext cx="9597600" cy="4187520"/>
           </a:xfrm>
           <a:prstGeom prst="rect">
             <a:avLst/>
@@ -6368,7 +6368,7 @@
         <p:txBody>
           <a:bodyPr lIns="90000" rIns="90000" tIns="45000" bIns="45000"/>
           <a:p>
-            <a:pPr marL="223920" indent="-220680" algn="ctr">
+            <a:pPr marL="223920" indent="-220320" algn="ctr">
               <a:lnSpc>
                 <a:spcPct val="100000"/>
               </a:lnSpc>
@@ -6447,7 +6447,7 @@
         <p:spPr>
           <a:xfrm>
             <a:off x="1522440" y="533520"/>
-            <a:ext cx="9597960" cy="1139760"/>
+            <a:ext cx="9597600" cy="1139400"/>
           </a:xfrm>
           <a:prstGeom prst="rect">
             <a:avLst/>
@@ -6496,7 +6496,7 @@
         <p:spPr>
           <a:xfrm>
             <a:off x="1522440" y="1828800"/>
-            <a:ext cx="9597960" cy="4187880"/>
+            <a:ext cx="9597600" cy="4187520"/>
           </a:xfrm>
           <a:prstGeom prst="rect">
             <a:avLst/>
@@ -6525,7 +6525,7 @@
             </a:endParaRPr>
           </a:p>
           <a:p>
-            <a:pPr marL="223920" indent="-220680">
+            <a:pPr marL="223920" indent="-220320">
               <a:lnSpc>
                 <a:spcPct val="90000"/>
               </a:lnSpc>
@@ -6619,7 +6619,7 @@
         <p:spPr>
           <a:xfrm>
             <a:off x="1522440" y="533520"/>
-            <a:ext cx="9600480" cy="1142280"/>
+            <a:ext cx="9600120" cy="1141920"/>
           </a:xfrm>
           <a:prstGeom prst="rect">
             <a:avLst/>
@@ -6649,6 +6649,7 @@
                   <a:srgbClr val="632e62"/>
                 </a:solidFill>
                 <a:latin typeface="Arial"/>
+                <a:ea typeface="DejaVu Sans"/>
               </a:rPr>
               <a:t>Index</a:t>
             </a:r>
@@ -6667,7 +6668,7 @@
         <p:spPr>
           <a:xfrm>
             <a:off x="1522440" y="1828800"/>
-            <a:ext cx="9600480" cy="4190400"/>
+            <a:ext cx="9600120" cy="4190040"/>
           </a:xfrm>
           <a:prstGeom prst="rect">
             <a:avLst/>
@@ -6701,7 +6702,7 @@
             </a:endParaRPr>
           </a:p>
           <a:p>
-            <a:pPr marL="223920" indent="-223200">
+            <a:pPr marL="223920" indent="-222840">
               <a:lnSpc>
                 <a:spcPct val="90000"/>
               </a:lnSpc>
@@ -6720,6 +6721,7 @@
                   <a:srgbClr val="000000"/>
                 </a:solidFill>
                 <a:latin typeface="Arial"/>
+                <a:ea typeface="DejaVu Sans"/>
               </a:rPr>
               <a:t>Project Acceptance Status and Suggestions given in Previous Presentation </a:t>
             </a:r>
@@ -6728,7 +6730,7 @@
             </a:endParaRPr>
           </a:p>
           <a:p>
-            <a:pPr marL="223920" indent="-223200">
+            <a:pPr marL="223920" indent="-222840">
               <a:lnSpc>
                 <a:spcPct val="90000"/>
               </a:lnSpc>
@@ -6747,6 +6749,7 @@
                   <a:srgbClr val="000000"/>
                 </a:solidFill>
                 <a:latin typeface="Arial"/>
+                <a:ea typeface="DejaVu Sans"/>
               </a:rPr>
               <a:t>Refined Problem Statement with literature Survey</a:t>
             </a:r>
@@ -6755,7 +6758,7 @@
             </a:endParaRPr>
           </a:p>
           <a:p>
-            <a:pPr marL="223920" indent="-223200">
+            <a:pPr marL="223920" indent="-222840">
               <a:lnSpc>
                 <a:spcPct val="90000"/>
               </a:lnSpc>
@@ -6774,6 +6777,7 @@
                   <a:srgbClr val="000000"/>
                 </a:solidFill>
                 <a:latin typeface="Arial"/>
+                <a:ea typeface="DejaVu Sans"/>
               </a:rPr>
               <a:t>Modules Summary</a:t>
             </a:r>
@@ -6782,7 +6786,7 @@
             </a:endParaRPr>
           </a:p>
           <a:p>
-            <a:pPr marL="223920" indent="-223200">
+            <a:pPr marL="223920" indent="-222840">
               <a:lnSpc>
                 <a:spcPct val="90000"/>
               </a:lnSpc>
@@ -6801,6 +6805,7 @@
                   <a:srgbClr val="000000"/>
                 </a:solidFill>
                 <a:latin typeface="Arial"/>
+                <a:ea typeface="DejaVu Sans"/>
               </a:rPr>
               <a:t>Brief Module details</a:t>
             </a:r>
@@ -6809,7 +6814,7 @@
             </a:endParaRPr>
           </a:p>
           <a:p>
-            <a:pPr marL="223920" indent="-223200">
+            <a:pPr marL="223920" indent="-222840">
               <a:lnSpc>
                 <a:spcPct val="90000"/>
               </a:lnSpc>
@@ -6828,6 +6833,7 @@
                   <a:srgbClr val="000000"/>
                 </a:solidFill>
                 <a:latin typeface="Arial"/>
+                <a:ea typeface="DejaVu Sans"/>
               </a:rPr>
               <a:t>Module Progress(in Tabular/Graphical  form in terms of % completion)</a:t>
             </a:r>
@@ -6836,7 +6842,7 @@
             </a:endParaRPr>
           </a:p>
           <a:p>
-            <a:pPr marL="223920" indent="-223200">
+            <a:pPr marL="223920" indent="-222840">
               <a:lnSpc>
                 <a:spcPct val="90000"/>
               </a:lnSpc>
@@ -6855,6 +6861,7 @@
                   <a:srgbClr val="000000"/>
                 </a:solidFill>
                 <a:latin typeface="Arial"/>
+                <a:ea typeface="DejaVu Sans"/>
               </a:rPr>
               <a:t>Hardware /Software Requirement</a:t>
             </a:r>
@@ -6863,7 +6870,7 @@
             </a:endParaRPr>
           </a:p>
           <a:p>
-            <a:pPr marL="223920" indent="-223200">
+            <a:pPr marL="223920" indent="-222840">
               <a:lnSpc>
                 <a:spcPct val="90000"/>
               </a:lnSpc>
@@ -6882,6 +6889,7 @@
                   <a:srgbClr val="000000"/>
                 </a:solidFill>
                 <a:latin typeface="Arial"/>
+                <a:ea typeface="DejaVu Sans"/>
               </a:rPr>
               <a:t>Conclusion</a:t>
             </a:r>
@@ -6890,7 +6898,7 @@
             </a:endParaRPr>
           </a:p>
           <a:p>
-            <a:pPr marL="223920" indent="-223200">
+            <a:pPr marL="223920" indent="-222840">
               <a:lnSpc>
                 <a:spcPct val="90000"/>
               </a:lnSpc>
@@ -6909,6 +6917,7 @@
                   <a:srgbClr val="000000"/>
                 </a:solidFill>
                 <a:latin typeface="Arial"/>
+                <a:ea typeface="DejaVu Sans"/>
               </a:rPr>
               <a:t>References</a:t>
             </a:r>
@@ -6931,7 +6940,7 @@
         <p:spPr>
           <a:xfrm>
             <a:off x="8809200" y="0"/>
-            <a:ext cx="2719800" cy="2266200"/>
+            <a:ext cx="2719440" cy="2265840"/>
           </a:xfrm>
           <a:prstGeom prst="rect">
             <a:avLst/>
@@ -6999,7 +7008,7 @@
         <p:spPr>
           <a:xfrm>
             <a:off x="1522440" y="533520"/>
-            <a:ext cx="9597960" cy="1139760"/>
+            <a:ext cx="9597600" cy="1139400"/>
           </a:xfrm>
           <a:prstGeom prst="rect">
             <a:avLst/>
@@ -7048,7 +7057,7 @@
         <p:spPr>
           <a:xfrm>
             <a:off x="1343160" y="1938240"/>
-            <a:ext cx="9597960" cy="4187880"/>
+            <a:ext cx="9597600" cy="4187520"/>
           </a:xfrm>
           <a:prstGeom prst="rect">
             <a:avLst/>
@@ -7067,7 +7076,7 @@
         <p:txBody>
           <a:bodyPr lIns="90000" rIns="90000" tIns="45000" bIns="45000"/>
           <a:p>
-            <a:pPr marL="216000" indent="-215640">
+            <a:pPr marL="216000" indent="-215280">
               <a:lnSpc>
                 <a:spcPct val="100000"/>
               </a:lnSpc>
@@ -7093,7 +7102,7 @@
             </a:endParaRPr>
           </a:p>
           <a:p>
-            <a:pPr marL="216000" indent="-215640">
+            <a:pPr marL="216000" indent="-215280">
               <a:lnSpc>
                 <a:spcPct val="100000"/>
               </a:lnSpc>
@@ -7119,7 +7128,7 @@
             </a:endParaRPr>
           </a:p>
           <a:p>
-            <a:pPr marL="216000" indent="-215640">
+            <a:pPr marL="216000" indent="-215280">
               <a:lnSpc>
                 <a:spcPct val="100000"/>
               </a:lnSpc>
@@ -7145,7 +7154,7 @@
             </a:endParaRPr>
           </a:p>
           <a:p>
-            <a:pPr marL="216000" indent="-215640">
+            <a:pPr marL="216000" indent="-215280">
               <a:lnSpc>
                 <a:spcPct val="100000"/>
               </a:lnSpc>
@@ -7240,7 +7249,7 @@
         <p:spPr>
           <a:xfrm>
             <a:off x="1522440" y="533520"/>
-            <a:ext cx="9597960" cy="1139760"/>
+            <a:ext cx="9597600" cy="1139400"/>
           </a:xfrm>
           <a:prstGeom prst="rect">
             <a:avLst/>
@@ -7289,7 +7298,7 @@
         <p:spPr>
           <a:xfrm>
             <a:off x="1554480" y="1828800"/>
-            <a:ext cx="9472320" cy="4187880"/>
+            <a:ext cx="9471960" cy="4187520"/>
           </a:xfrm>
           <a:prstGeom prst="rect">
             <a:avLst/>
@@ -7348,7 +7357,7 @@
             </a:endParaRPr>
           </a:p>
           <a:p>
-            <a:pPr marL="216000" indent="-215640">
+            <a:pPr marL="216000" indent="-215280">
               <a:lnSpc>
                 <a:spcPct val="100000"/>
               </a:lnSpc>
@@ -7374,7 +7383,7 @@
             </a:endParaRPr>
           </a:p>
           <a:p>
-            <a:pPr marL="216000" indent="-215640">
+            <a:pPr marL="216000" indent="-215280">
               <a:lnSpc>
                 <a:spcPct val="100000"/>
               </a:lnSpc>
@@ -7400,7 +7409,7 @@
             </a:endParaRPr>
           </a:p>
           <a:p>
-            <a:pPr marL="216000" indent="-215640">
+            <a:pPr marL="216000" indent="-215280">
               <a:lnSpc>
                 <a:spcPct val="100000"/>
               </a:lnSpc>
@@ -7495,7 +7504,7 @@
         <p:spPr>
           <a:xfrm>
             <a:off x="1371600" y="533520"/>
-            <a:ext cx="9748800" cy="1139760"/>
+            <a:ext cx="9748440" cy="1139400"/>
           </a:xfrm>
           <a:prstGeom prst="rect">
             <a:avLst/>
@@ -7544,7 +7553,7 @@
         <p:spPr>
           <a:xfrm>
             <a:off x="1554480" y="1938240"/>
-            <a:ext cx="9600840" cy="4187880"/>
+            <a:ext cx="9600480" cy="4187520"/>
           </a:xfrm>
           <a:prstGeom prst="rect">
             <a:avLst/>
@@ -7603,7 +7612,7 @@
             </a:endParaRPr>
           </a:p>
           <a:p>
-            <a:pPr marL="216000" indent="-215640">
+            <a:pPr marL="216000" indent="-215280">
               <a:lnSpc>
                 <a:spcPct val="100000"/>
               </a:lnSpc>
@@ -7629,7 +7638,7 @@
             </a:endParaRPr>
           </a:p>
           <a:p>
-            <a:pPr marL="216000" indent="-215640">
+            <a:pPr marL="216000" indent="-215280">
               <a:lnSpc>
                 <a:spcPct val="100000"/>
               </a:lnSpc>
@@ -7655,7 +7664,7 @@
             </a:endParaRPr>
           </a:p>
           <a:p>
-            <a:pPr marL="216000" indent="-215640">
+            <a:pPr marL="216000" indent="-215280">
               <a:lnSpc>
                 <a:spcPct val="100000"/>
               </a:lnSpc>
@@ -7681,7 +7690,7 @@
             </a:endParaRPr>
           </a:p>
           <a:p>
-            <a:pPr marL="216000" indent="-215640">
+            <a:pPr marL="216000" indent="-215280">
               <a:lnSpc>
                 <a:spcPct val="100000"/>
               </a:lnSpc>
@@ -7766,7 +7775,7 @@
         <p:spPr>
           <a:xfrm>
             <a:off x="1522440" y="533520"/>
-            <a:ext cx="9597960" cy="1139760"/>
+            <a:ext cx="9597600" cy="1139400"/>
           </a:xfrm>
           <a:prstGeom prst="rect">
             <a:avLst/>
@@ -7815,7 +7824,7 @@
         <p:spPr>
           <a:xfrm>
             <a:off x="1522440" y="1828800"/>
-            <a:ext cx="9597960" cy="4187880"/>
+            <a:ext cx="9597600" cy="4187520"/>
           </a:xfrm>
           <a:prstGeom prst="rect">
             <a:avLst/>
@@ -7844,7 +7853,7 @@
             </a:endParaRPr>
           </a:p>
           <a:p>
-            <a:pPr marL="216000" indent="-214200">
+            <a:pPr marL="216000" indent="-213840">
               <a:lnSpc>
                 <a:spcPct val="100000"/>
               </a:lnSpc>
@@ -7883,8 +7892,8 @@
         </p:blipFill>
         <p:spPr>
           <a:xfrm>
-            <a:off x="1737360" y="1875600"/>
-            <a:ext cx="8595000" cy="3976200"/>
+            <a:off x="2011680" y="1668240"/>
+            <a:ext cx="9108360" cy="4834440"/>
           </a:xfrm>
           <a:prstGeom prst="rect">
             <a:avLst/>
@@ -7952,7 +7961,7 @@
         <p:spPr>
           <a:xfrm>
             <a:off x="1522440" y="533520"/>
-            <a:ext cx="9597960" cy="1139760"/>
+            <a:ext cx="9597600" cy="1139400"/>
           </a:xfrm>
           <a:prstGeom prst="rect">
             <a:avLst/>
@@ -8001,7 +8010,7 @@
         <p:spPr>
           <a:xfrm>
             <a:off x="1522440" y="1828800"/>
-            <a:ext cx="9597960" cy="4187880"/>
+            <a:ext cx="9597600" cy="4187520"/>
           </a:xfrm>
           <a:prstGeom prst="rect">
             <a:avLst/>
@@ -8030,7 +8039,7 @@
             </a:endParaRPr>
           </a:p>
           <a:p>
-            <a:pPr marL="216000" indent="-214920">
+            <a:pPr marL="216000" indent="-214560">
               <a:lnSpc>
                 <a:spcPct val="100000"/>
               </a:lnSpc>
@@ -8056,7 +8065,7 @@
             </a:endParaRPr>
           </a:p>
           <a:p>
-            <a:pPr marL="216000" indent="-214920">
+            <a:pPr marL="216000" indent="-214560">
               <a:lnSpc>
                 <a:spcPct val="100000"/>
               </a:lnSpc>
@@ -8082,7 +8091,7 @@
             </a:endParaRPr>
           </a:p>
           <a:p>
-            <a:pPr marL="216000" indent="-214920">
+            <a:pPr marL="216000" indent="-214560">
               <a:lnSpc>
                 <a:spcPct val="100000"/>
               </a:lnSpc>
@@ -8108,7 +8117,7 @@
             </a:endParaRPr>
           </a:p>
           <a:p>
-            <a:pPr marL="216000" indent="-214920">
+            <a:pPr marL="216000" indent="-214560">
               <a:lnSpc>
                 <a:spcPct val="100000"/>
               </a:lnSpc>
@@ -8134,7 +8143,7 @@
             </a:endParaRPr>
           </a:p>
           <a:p>
-            <a:pPr marL="216000" indent="-214920">
+            <a:pPr marL="216000" indent="-214560">
               <a:lnSpc>
                 <a:spcPct val="100000"/>
               </a:lnSpc>
@@ -8229,7 +8238,7 @@
         <p:spPr>
           <a:xfrm>
             <a:off x="1522440" y="533520"/>
-            <a:ext cx="9597960" cy="1139760"/>
+            <a:ext cx="9597600" cy="1139400"/>
           </a:xfrm>
           <a:prstGeom prst="rect">
             <a:avLst/>
@@ -8278,7 +8287,7 @@
         <p:spPr>
           <a:xfrm>
             <a:off x="1522440" y="1828800"/>
-            <a:ext cx="9597960" cy="4187880"/>
+            <a:ext cx="9597600" cy="4187520"/>
           </a:xfrm>
           <a:prstGeom prst="rect">
             <a:avLst/>
@@ -8308,7 +8317,7 @@
         <p:spPr>
           <a:xfrm>
             <a:off x="1991160" y="1840680"/>
-            <a:ext cx="7701120" cy="4559760"/>
+            <a:ext cx="7700760" cy="4559400"/>
           </a:xfrm>
           <a:prstGeom prst="rect">
             <a:avLst/>
@@ -8376,7 +8385,7 @@
         <p:spPr>
           <a:xfrm>
             <a:off x="5029200" y="4206240"/>
-            <a:ext cx="1371600" cy="548640"/>
+            <a:ext cx="1371240" cy="548280"/>
           </a:xfrm>
           <a:prstGeom prst="rect">
             <a:avLst/>
@@ -8401,10 +8410,11 @@
               </a:lnSpc>
             </a:pPr>
             <a:r>
-              <a:rPr b="0" lang="en-US" sz="3200" spc="-1" strike="noStrike">
+              <a:rPr b="0" lang="en-US" sz="3200" spc="-1" strike="noStrike" u="sng">
                 <a:solidFill>
-                  <a:srgbClr val="000000"/>
+                  <a:srgbClr val="0000ff"/>
                 </a:solidFill>
+                <a:uFillTx/>
                 <a:latin typeface="Arial"/>
                 <a:ea typeface="DejaVu Sans"/>
                 <a:hlinkClick r:id="rId1"/>
@@ -8426,7 +8436,7 @@
         <p:spPr>
           <a:xfrm>
             <a:off x="1522440" y="1828800"/>
-            <a:ext cx="9597960" cy="4187880"/>
+            <a:ext cx="9597600" cy="4187520"/>
           </a:xfrm>
           <a:prstGeom prst="rect">
             <a:avLst/>
@@ -8445,9 +8455,18 @@
         <p:txBody>
           <a:bodyPr lIns="90000" rIns="90000" tIns="45000" bIns="45000"/>
           <a:p>
+            <a:pPr>
+              <a:lnSpc>
+                <a:spcPct val="100000"/>
+              </a:lnSpc>
+            </a:pPr>
             <a:r>
               <a:rPr b="0" lang="en-US" sz="1800" spc="-1" strike="noStrike">
+                <a:solidFill>
+                  <a:srgbClr val="000000"/>
+                </a:solidFill>
                 <a:latin typeface="Arial"/>
+                <a:ea typeface="DejaVu Sans"/>
               </a:rPr>
               <a:t>DEMO</a:t>
             </a:r>
@@ -8459,14 +8478,14 @@
       </p:sp>
       <p:sp>
         <p:nvSpPr>
-          <p:cNvPr id="145" name="TextShape 3"/>
-          <p:cNvSpPr txBox="1"/>
+          <p:cNvPr id="145" name="CustomShape 3"/>
+          <p:cNvSpPr/>
           <p:nvPr/>
         </p:nvSpPr>
         <p:spPr>
           <a:xfrm>
             <a:off x="4206240" y="2379600"/>
-            <a:ext cx="3263760" cy="546480"/>
+            <a:ext cx="3263400" cy="546120"/>
           </a:xfrm>
           <a:prstGeom prst="rect">
             <a:avLst/>
@@ -8476,14 +8495,26 @@
             <a:noFill/>
           </a:ln>
         </p:spPr>
+        <p:style>
+          <a:lnRef idx="0"/>
+          <a:fillRef idx="0"/>
+          <a:effectRef idx="0"/>
+          <a:fontRef idx="minor"/>
+        </p:style>
         <p:txBody>
           <a:bodyPr lIns="90000" rIns="90000" tIns="45000" bIns="45000"/>
           <a:p>
+            <a:pPr>
+              <a:lnSpc>
+                <a:spcPct val="100000"/>
+              </a:lnSpc>
+            </a:pPr>
             <a:r>
-              <a:rPr b="0" lang="en-US" sz="3200" spc="-1" strike="noStrike">
+              <a:rPr b="0" lang="en-US" sz="3200" spc="-1" strike="noStrike" u="sng">
                 <a:solidFill>
-                  <a:srgbClr val="000000"/>
+                  <a:srgbClr val="0000ff"/>
                 </a:solidFill>
+                <a:uFillTx/>
                 <a:latin typeface="Arial"/>
                 <a:ea typeface="DejaVu Sans"/>
                 <a:hlinkClick r:id="rId2"/>
